--- a/ObjectOrientedProgramming/Documents/K22MCS.PhamMinhTuan.OOPEssay-InventoryWMS.pptx
+++ b/ObjectOrientedProgramming/Documents/K22MCS.PhamMinhTuan.OOPEssay-InventoryWMS.pptx
@@ -5820,7 +5820,7 @@
           <a:p>
             <a:fld id="{53E10C26-6E12-4DDF-A8FD-E6B8258A129A}" type="datetimeFigureOut">
               <a:rPr lang="en-US" smtClean="0"/>
-              <a:t>18/06/2021</a:t>
+              <a:t>19/06/2021</a:t>
             </a:fld>
             <a:endParaRPr lang="en-US"/>
           </a:p>
@@ -11065,28 +11065,6 @@
           </a:p>
         </p:txBody>
       </p:sp>
-      <p:pic>
-        <p:nvPicPr>
-          <p:cNvPr id="5" name="Picture 4"/>
-          <p:cNvPicPr/>
-          <p:nvPr/>
-        </p:nvPicPr>
-        <p:blipFill>
-          <a:blip r:embed="rId2"/>
-          <a:stretch>
-            <a:fillRect/>
-          </a:stretch>
-        </p:blipFill>
-        <p:spPr>
-          <a:xfrm>
-            <a:off x="738996" y="1138589"/>
-            <a:ext cx="5133340" cy="4195445"/>
-          </a:xfrm>
-          <a:prstGeom prst="rect">
-            <a:avLst/>
-          </a:prstGeom>
-        </p:spPr>
-      </p:pic>
       <p:sp>
         <p:nvSpPr>
           <p:cNvPr id="6" name="TextBox 5"/>
@@ -11163,7 +11141,31 @@
       </p:sp>
       <p:pic>
         <p:nvPicPr>
-          <p:cNvPr id="9" name="Picture 8"/>
+          <p:cNvPr id="3" name="Picture 2"/>
+          <p:cNvPicPr>
+            <a:picLocks noChangeAspect="1"/>
+          </p:cNvPicPr>
+          <p:nvPr/>
+        </p:nvPicPr>
+        <p:blipFill>
+          <a:blip r:embed="rId2"/>
+          <a:stretch>
+            <a:fillRect/>
+          </a:stretch>
+        </p:blipFill>
+        <p:spPr>
+          <a:xfrm>
+            <a:off x="1557746" y="1101239"/>
+            <a:ext cx="3495840" cy="4028989"/>
+          </a:xfrm>
+          <a:prstGeom prst="rect">
+            <a:avLst/>
+          </a:prstGeom>
+        </p:spPr>
+      </p:pic>
+      <p:pic>
+        <p:nvPicPr>
+          <p:cNvPr id="10" name="Picture 9"/>
           <p:cNvPicPr/>
           <p:nvPr/>
         </p:nvPicPr>
@@ -11175,8 +11177,8 @@
         </p:blipFill>
         <p:spPr>
           <a:xfrm>
-            <a:off x="6070862" y="1101239"/>
-            <a:ext cx="4702646" cy="4432295"/>
+            <a:off x="6391143" y="1101239"/>
+            <a:ext cx="3753521" cy="4028989"/>
           </a:xfrm>
           <a:prstGeom prst="rect">
             <a:avLst/>
@@ -11259,8 +11261,8 @@
         </p:nvSpPr>
         <p:spPr>
           <a:xfrm>
-            <a:off x="5935607" y="5298916"/>
-            <a:ext cx="4914644" cy="369332"/>
+            <a:off x="6452558" y="5298916"/>
+            <a:ext cx="3666228" cy="369332"/>
           </a:xfrm>
           <a:prstGeom prst="rect">
             <a:avLst/>
@@ -11288,50 +11290,6 @@
           </a:p>
         </p:txBody>
       </p:sp>
-      <p:pic>
-        <p:nvPicPr>
-          <p:cNvPr id="7" name="Picture 6"/>
-          <p:cNvPicPr/>
-          <p:nvPr/>
-        </p:nvPicPr>
-        <p:blipFill>
-          <a:blip r:embed="rId2"/>
-          <a:stretch>
-            <a:fillRect/>
-          </a:stretch>
-        </p:blipFill>
-        <p:spPr>
-          <a:xfrm>
-            <a:off x="738996" y="1121165"/>
-            <a:ext cx="4935939" cy="4410832"/>
-          </a:xfrm>
-          <a:prstGeom prst="rect">
-            <a:avLst/>
-          </a:prstGeom>
-        </p:spPr>
-      </p:pic>
-      <p:pic>
-        <p:nvPicPr>
-          <p:cNvPr id="10" name="Picture 9"/>
-          <p:cNvPicPr/>
-          <p:nvPr/>
-        </p:nvPicPr>
-        <p:blipFill>
-          <a:blip r:embed="rId3"/>
-          <a:stretch>
-            <a:fillRect/>
-          </a:stretch>
-        </p:blipFill>
-        <p:spPr>
-          <a:xfrm>
-            <a:off x="5935607" y="1088866"/>
-            <a:ext cx="5147310" cy="4210050"/>
-          </a:xfrm>
-          <a:prstGeom prst="rect">
-            <a:avLst/>
-          </a:prstGeom>
-        </p:spPr>
-      </p:pic>
       <p:sp>
         <p:nvSpPr>
           <p:cNvPr id="6" name="TextBox 5"/>
@@ -11340,8 +11298,8 @@
         </p:nvSpPr>
         <p:spPr>
           <a:xfrm>
-            <a:off x="2243578" y="5194964"/>
-            <a:ext cx="3431357" cy="369332"/>
+            <a:off x="1465956" y="5281226"/>
+            <a:ext cx="3418209" cy="369332"/>
           </a:xfrm>
           <a:prstGeom prst="rect">
             <a:avLst/>
@@ -11369,6 +11327,50 @@
           </a:p>
         </p:txBody>
       </p:sp>
+      <p:pic>
+        <p:nvPicPr>
+          <p:cNvPr id="9" name="Picture 8"/>
+          <p:cNvPicPr/>
+          <p:nvPr/>
+        </p:nvPicPr>
+        <p:blipFill>
+          <a:blip r:embed="rId2"/>
+          <a:stretch>
+            <a:fillRect/>
+          </a:stretch>
+        </p:blipFill>
+        <p:spPr>
+          <a:xfrm>
+            <a:off x="6452558" y="1205736"/>
+            <a:ext cx="3666227" cy="4093180"/>
+          </a:xfrm>
+          <a:prstGeom prst="rect">
+            <a:avLst/>
+          </a:prstGeom>
+        </p:spPr>
+      </p:pic>
+      <p:pic>
+        <p:nvPicPr>
+          <p:cNvPr id="11" name="Picture 10"/>
+          <p:cNvPicPr/>
+          <p:nvPr/>
+        </p:nvPicPr>
+        <p:blipFill>
+          <a:blip r:embed="rId3"/>
+          <a:stretch>
+            <a:fillRect/>
+          </a:stretch>
+        </p:blipFill>
+        <p:spPr>
+          <a:xfrm>
+            <a:off x="1465955" y="1205736"/>
+            <a:ext cx="3418210" cy="3989228"/>
+          </a:xfrm>
+          <a:prstGeom prst="rect">
+            <a:avLst/>
+          </a:prstGeom>
+        </p:spPr>
+      </p:pic>
     </p:spTree>
     <p:extLst>
       <p:ext uri="{BB962C8B-B14F-4D97-AF65-F5344CB8AC3E}">

--- a/ObjectOrientedProgramming/Documents/K22MCS.PhamMinhTuan.OOPEssay-InventoryWMS.pptx
+++ b/ObjectOrientedProgramming/Documents/K22MCS.PhamMinhTuan.OOPEssay-InventoryWMS.pptx
@@ -5820,7 +5820,7 @@
           <a:p>
             <a:fld id="{53E10C26-6E12-4DDF-A8FD-E6B8258A129A}" type="datetimeFigureOut">
               <a:rPr lang="en-US" smtClean="0"/>
-              <a:t>19/06/2021</a:t>
+              <a:t>20/06/2021</a:t>
             </a:fld>
             <a:endParaRPr lang="en-US"/>
           </a:p>
